--- a/iMX6/opencv/Stereovision/documentation/Simon's Stuff/Midterm Präsi Simon.pptx
+++ b/iMX6/opencv/Stereovision/documentation/Simon's Stuff/Midterm Präsi Simon.pptx
@@ -109,6 +109,11 @@
       </a:defRPr>
     </a:lvl9pPr>
   </p:defaultTextStyle>
+  <p:extLst>
+    <p:ext uri="{EFAFB233-063F-42B5-8137-9DF3F51BA10A}">
+      <p15:sldGuideLst xmlns:p15="http://schemas.microsoft.com/office/powerpoint/2012/main"/>
+    </p:ext>
+  </p:extLst>
 </p:presentation>
 </file>
 
@@ -2302,16 +2307,7 @@
                 </a:solidFill>
                 <a:latin typeface="Century Gothic"/>
               </a:rPr>
-              <a:t>Stereo Vision </a:t>
-            </a:r>
-            <a:r>
-              <a:rPr lang="sl-SI" sz="2800" b="1" i="1" dirty="0">
-                <a:solidFill>
-                  <a:srgbClr val="FFFFFF"/>
-                </a:solidFill>
-                <a:latin typeface="Century Gothic"/>
-              </a:rPr>
-              <a:t>-</a:t>
+              <a:t>Stereo Vision -</a:t>
             </a:r>
             <a:r>
               <a:rPr lang="sl-SI" sz="2800" b="1" i="1" dirty="0" smtClean="0">
@@ -2636,16 +2632,7 @@
                 </a:solidFill>
                 <a:latin typeface="Century Gothic"/>
               </a:rPr>
-              <a:t>Collision Avoidance -</a:t>
-            </a:r>
-            <a:r>
-              <a:rPr lang="sl-SI" sz="2800" b="1" i="1" dirty="0" smtClean="0">
-                <a:solidFill>
-                  <a:srgbClr val="FFFFFF"/>
-                </a:solidFill>
-                <a:latin typeface="Century Gothic"/>
-              </a:rPr>
-              <a:t> Planned Steps</a:t>
+              <a:t>Collision Avoidance - Planned Steps</a:t>
             </a:r>
             <a:endParaRPr dirty="0"/>
           </a:p>
@@ -2824,16 +2811,7 @@
                 </a:solidFill>
                 <a:latin typeface="Century Gothic"/>
               </a:rPr>
-              <a:t>Collision Avoidance -</a:t>
-            </a:r>
-            <a:r>
-              <a:rPr lang="sl-SI" sz="2800" b="1" i="1" dirty="0" smtClean="0">
-                <a:solidFill>
-                  <a:srgbClr val="FFFFFF"/>
-                </a:solidFill>
-                <a:latin typeface="Century Gothic"/>
-              </a:rPr>
-              <a:t> Planned Steps</a:t>
+              <a:t>Collision Avoidance - Planned Steps</a:t>
             </a:r>
             <a:endParaRPr dirty="0"/>
           </a:p>
@@ -3078,16 +3056,7 @@
                 </a:solidFill>
                 <a:latin typeface="Century Gothic"/>
               </a:rPr>
-              <a:t>Collision Avoidance -</a:t>
-            </a:r>
-            <a:r>
-              <a:rPr lang="sl-SI" sz="2800" b="1" i="1" dirty="0" smtClean="0">
-                <a:solidFill>
-                  <a:srgbClr val="FFFFFF"/>
-                </a:solidFill>
-                <a:latin typeface="Century Gothic"/>
-              </a:rPr>
-              <a:t> Planned Steps</a:t>
+              <a:t>Collision Avoidance - Planned Steps</a:t>
             </a:r>
             <a:endParaRPr dirty="0"/>
           </a:p>
@@ -3336,7 +3305,7 @@
         </p:nvSpPr>
         <p:spPr>
           <a:xfrm>
-            <a:off x="1257300" y="1691640"/>
+            <a:off x="1257300" y="2148840"/>
             <a:ext cx="7886700" cy="5166360"/>
           </a:xfrm>
           <a:prstGeom prst="rect">
@@ -3615,153 +3584,6 @@
               <a:buFont typeface="Arial"/>
               <a:buChar char="•"/>
             </a:pPr>
-            <a:r>
-              <a:rPr lang="de-DE" dirty="0">
-                <a:solidFill>
-                  <a:srgbClr val="FFFFFF"/>
-                </a:solidFill>
-                <a:latin typeface="Verdana"/>
-                <a:ea typeface="Verdana"/>
-              </a:rPr>
-              <a:t> </a:t>
-            </a:r>
-            <a:r>
-              <a:rPr lang="de-DE" dirty="0" smtClean="0">
-                <a:solidFill>
-                  <a:srgbClr val="FFFFFF"/>
-                </a:solidFill>
-                <a:latin typeface="Verdana"/>
-                <a:ea typeface="Verdana"/>
-              </a:rPr>
-              <a:t>Hardware </a:t>
-            </a:r>
-            <a:r>
-              <a:rPr lang="de-DE" dirty="0" err="1" smtClean="0">
-                <a:solidFill>
-                  <a:srgbClr val="FFFFFF"/>
-                </a:solidFill>
-                <a:latin typeface="Verdana"/>
-                <a:ea typeface="Verdana"/>
-              </a:rPr>
-              <a:t>synced</a:t>
-            </a:r>
-            <a:r>
-              <a:rPr lang="de-DE" dirty="0" smtClean="0">
-                <a:solidFill>
-                  <a:srgbClr val="FFFFFF"/>
-                </a:solidFill>
-                <a:latin typeface="Verdana"/>
-                <a:ea typeface="Verdana"/>
-              </a:rPr>
-              <a:t> PS3 Eye </a:t>
-            </a:r>
-            <a:r>
-              <a:rPr lang="de-DE" dirty="0" err="1" smtClean="0">
-                <a:solidFill>
-                  <a:srgbClr val="FFFFFF"/>
-                </a:solidFill>
-                <a:latin typeface="Verdana"/>
-                <a:ea typeface="Verdana"/>
-              </a:rPr>
-              <a:t>camera</a:t>
-            </a:r>
-            <a:r>
-              <a:rPr lang="de-DE" dirty="0" smtClean="0">
-                <a:solidFill>
-                  <a:srgbClr val="FFFFFF"/>
-                </a:solidFill>
-                <a:latin typeface="Verdana"/>
-                <a:ea typeface="Verdana"/>
-              </a:rPr>
-              <a:t> prototype</a:t>
-            </a:r>
-          </a:p>
-          <a:p>
-            <a:pPr lvl="1">
-              <a:buSzPct val="130000"/>
-              <a:buFont typeface="Arial"/>
-              <a:buChar char="•"/>
-            </a:pPr>
-            <a:r>
-              <a:rPr lang="de-DE" dirty="0">
-                <a:solidFill>
-                  <a:srgbClr val="FFFFFF"/>
-                </a:solidFill>
-                <a:latin typeface="Verdana"/>
-                <a:ea typeface="Verdana"/>
-              </a:rPr>
-              <a:t> </a:t>
-            </a:r>
-            <a:r>
-              <a:rPr lang="de-DE" dirty="0" err="1" smtClean="0">
-                <a:solidFill>
-                  <a:srgbClr val="FFFFFF"/>
-                </a:solidFill>
-                <a:latin typeface="Verdana"/>
-                <a:ea typeface="Verdana"/>
-              </a:rPr>
-              <a:t>Install</a:t>
-            </a:r>
-            <a:r>
-              <a:rPr lang="de-DE" dirty="0" smtClean="0">
-                <a:solidFill>
-                  <a:srgbClr val="FFFFFF"/>
-                </a:solidFill>
-                <a:latin typeface="Verdana"/>
-                <a:ea typeface="Verdana"/>
-              </a:rPr>
-              <a:t> </a:t>
-            </a:r>
-            <a:r>
-              <a:rPr lang="de-DE" dirty="0" err="1" smtClean="0">
-                <a:solidFill>
-                  <a:srgbClr val="FFFFFF"/>
-                </a:solidFill>
-                <a:latin typeface="Verdana"/>
-                <a:ea typeface="Verdana"/>
-              </a:rPr>
-              <a:t>cameras</a:t>
-            </a:r>
-            <a:r>
-              <a:rPr lang="de-DE" dirty="0" smtClean="0">
-                <a:solidFill>
-                  <a:srgbClr val="FFFFFF"/>
-                </a:solidFill>
-                <a:latin typeface="Verdana"/>
-                <a:ea typeface="Verdana"/>
-              </a:rPr>
-              <a:t> </a:t>
-            </a:r>
-            <a:r>
-              <a:rPr lang="de-DE" dirty="0" err="1" smtClean="0">
-                <a:solidFill>
-                  <a:srgbClr val="FFFFFF"/>
-                </a:solidFill>
-                <a:latin typeface="Verdana"/>
-                <a:ea typeface="Verdana"/>
-              </a:rPr>
-              <a:t>to</a:t>
-            </a:r>
-            <a:r>
-              <a:rPr lang="de-DE" dirty="0" smtClean="0">
-                <a:solidFill>
-                  <a:srgbClr val="FFFFFF"/>
-                </a:solidFill>
-                <a:latin typeface="Verdana"/>
-                <a:ea typeface="Verdana"/>
-              </a:rPr>
-              <a:t> </a:t>
-            </a:r>
-            <a:r>
-              <a:rPr lang="de-DE" dirty="0" err="1" smtClean="0">
-                <a:solidFill>
-                  <a:srgbClr val="FFFFFF"/>
-                </a:solidFill>
-                <a:latin typeface="Verdana"/>
-                <a:ea typeface="Verdana"/>
-              </a:rPr>
-              <a:t>car</a:t>
-            </a:r>
             <a:endParaRPr lang="de-DE" dirty="0" smtClean="0">
               <a:solidFill>
                 <a:srgbClr val="FFFFFF"/>
@@ -3777,7 +3599,47 @@
               <a:buChar char="•"/>
             </a:pPr>
             <a:r>
-              <a:rPr lang="de-DE" dirty="0">
+              <a:rPr lang="de-DE" dirty="0" smtClean="0">
+                <a:solidFill>
+                  <a:srgbClr val="FFFFFF"/>
+                </a:solidFill>
+                <a:latin typeface="Verdana"/>
+                <a:ea typeface="Verdana"/>
+              </a:rPr>
+              <a:t> Hardware </a:t>
+            </a:r>
+            <a:r>
+              <a:rPr lang="de-DE" dirty="0" err="1" smtClean="0">
+                <a:solidFill>
+                  <a:srgbClr val="FFFFFF"/>
+                </a:solidFill>
+                <a:latin typeface="Verdana"/>
+                <a:ea typeface="Verdana"/>
+              </a:rPr>
+              <a:t>synced</a:t>
+            </a:r>
+            <a:r>
+              <a:rPr lang="de-DE" dirty="0" smtClean="0">
+                <a:solidFill>
+                  <a:srgbClr val="FFFFFF"/>
+                </a:solidFill>
+                <a:latin typeface="Verdana"/>
+                <a:ea typeface="Verdana"/>
+              </a:rPr>
+              <a:t> PS3 Eye </a:t>
+            </a:r>
+            <a:r>
+              <a:rPr lang="de-DE" dirty="0" err="1" smtClean="0">
+                <a:solidFill>
+                  <a:srgbClr val="FFFFFF"/>
+                </a:solidFill>
+                <a:latin typeface="Verdana"/>
+                <a:ea typeface="Verdana"/>
+              </a:rPr>
+              <a:t>camera</a:t>
+            </a:r>
+            <a:r>
+              <a:rPr lang="de-DE" dirty="0" smtClean="0">
                 <a:solidFill>
                   <a:srgbClr val="FFFFFF"/>
                 </a:solidFill>
@@ -3794,85 +3656,141 @@
                 <a:latin typeface="Verdana"/>
                 <a:ea typeface="Verdana"/>
               </a:rPr>
-              <a:t>//TODO: Falls </a:t>
-            </a:r>
-            <a:r>
-              <a:rPr lang="de-DE" dirty="0" err="1" smtClean="0">
-                <a:solidFill>
-                  <a:srgbClr val="FFFFFF"/>
-                </a:solidFill>
-                <a:latin typeface="Verdana"/>
-                <a:ea typeface="Verdana"/>
-              </a:rPr>
-              <a:t>hardware</a:t>
-            </a:r>
-            <a:r>
-              <a:rPr lang="de-DE" dirty="0" smtClean="0">
-                <a:solidFill>
-                  <a:srgbClr val="FFFFFF"/>
-                </a:solidFill>
-                <a:latin typeface="Verdana"/>
-                <a:ea typeface="Verdana"/>
-              </a:rPr>
-              <a:t> </a:t>
-            </a:r>
-            <a:r>
-              <a:rPr lang="de-DE" dirty="0" err="1" smtClean="0">
-                <a:solidFill>
-                  <a:srgbClr val="FFFFFF"/>
-                </a:solidFill>
-                <a:latin typeface="Verdana"/>
-                <a:ea typeface="Verdana"/>
-              </a:rPr>
-              <a:t>sync</a:t>
-            </a:r>
-            <a:r>
-              <a:rPr lang="de-DE" dirty="0" smtClean="0">
-                <a:solidFill>
-                  <a:srgbClr val="FFFFFF"/>
-                </a:solidFill>
-                <a:latin typeface="Verdana"/>
-                <a:ea typeface="Verdana"/>
-              </a:rPr>
-              <a:t> geht, hier das </a:t>
-            </a:r>
-            <a:r>
-              <a:rPr lang="de-DE" dirty="0" err="1" smtClean="0">
-                <a:solidFill>
-                  <a:srgbClr val="FFFFFF"/>
-                </a:solidFill>
-                <a:latin typeface="Verdana"/>
-                <a:ea typeface="Verdana"/>
-              </a:rPr>
-              <a:t>ergebnis</a:t>
-            </a:r>
-            <a:r>
-              <a:rPr lang="de-DE" dirty="0" smtClean="0">
-                <a:solidFill>
-                  <a:srgbClr val="FFFFFF"/>
-                </a:solidFill>
-                <a:latin typeface="Verdana"/>
-                <a:ea typeface="Verdana"/>
-              </a:rPr>
-              <a:t>!</a:t>
+              <a:t>prototype</a:t>
             </a:r>
           </a:p>
           <a:p>
             <a:pPr lvl="1">
               <a:buSzPct val="130000"/>
             </a:pPr>
-            <a:endParaRPr dirty="0"/>
-          </a:p>
-          <a:p>
-            <a:pPr>
-              <a:lnSpc>
-                <a:spcPct val="100000"/>
-              </a:lnSpc>
+            <a:endParaRPr lang="de-DE" dirty="0" smtClean="0">
+              <a:solidFill>
+                <a:srgbClr val="FFFFFF"/>
+              </a:solidFill>
+              <a:latin typeface="Verdana"/>
+              <a:ea typeface="Verdana"/>
+            </a:endParaRPr>
+          </a:p>
+          <a:p>
+            <a:pPr lvl="1">
               <a:buSzPct val="130000"/>
               <a:buFont typeface="Arial"/>
               <a:buChar char="•"/>
             </a:pPr>
             <a:r>
+              <a:rPr lang="de-DE" dirty="0">
+                <a:solidFill>
+                  <a:srgbClr val="FFFFFF"/>
+                </a:solidFill>
+                <a:latin typeface="Verdana"/>
+                <a:ea typeface="Verdana"/>
+              </a:rPr>
+              <a:t> </a:t>
+            </a:r>
+            <a:r>
+              <a:rPr lang="de-DE" dirty="0" smtClean="0">
+                <a:solidFill>
+                  <a:srgbClr val="FFFFFF"/>
+                </a:solidFill>
+                <a:latin typeface="Verdana"/>
+                <a:ea typeface="Verdana"/>
+              </a:rPr>
+              <a:t>TODO: </a:t>
+            </a:r>
+            <a:r>
+              <a:rPr lang="de-DE" dirty="0" err="1" smtClean="0">
+                <a:solidFill>
+                  <a:srgbClr val="FFFFFF"/>
+                </a:solidFill>
+                <a:latin typeface="Verdana"/>
+                <a:ea typeface="Verdana"/>
+              </a:rPr>
+              <a:t>Install</a:t>
+            </a:r>
+            <a:r>
+              <a:rPr lang="de-DE" dirty="0" smtClean="0">
+                <a:solidFill>
+                  <a:srgbClr val="FFFFFF"/>
+                </a:solidFill>
+                <a:latin typeface="Verdana"/>
+                <a:ea typeface="Verdana"/>
+              </a:rPr>
+              <a:t> </a:t>
+            </a:r>
+            <a:r>
+              <a:rPr lang="de-DE" dirty="0" err="1" smtClean="0">
+                <a:solidFill>
+                  <a:srgbClr val="FFFFFF"/>
+                </a:solidFill>
+                <a:latin typeface="Verdana"/>
+                <a:ea typeface="Verdana"/>
+              </a:rPr>
+              <a:t>cameras</a:t>
+            </a:r>
+            <a:r>
+              <a:rPr lang="de-DE" dirty="0" smtClean="0">
+                <a:solidFill>
+                  <a:srgbClr val="FFFFFF"/>
+                </a:solidFill>
+                <a:latin typeface="Verdana"/>
+                <a:ea typeface="Verdana"/>
+              </a:rPr>
+              <a:t> </a:t>
+            </a:r>
+            <a:r>
+              <a:rPr lang="de-DE" dirty="0" err="1" smtClean="0">
+                <a:solidFill>
+                  <a:srgbClr val="FFFFFF"/>
+                </a:solidFill>
+                <a:latin typeface="Verdana"/>
+                <a:ea typeface="Verdana"/>
+              </a:rPr>
+              <a:t>to</a:t>
+            </a:r>
+            <a:r>
+              <a:rPr lang="de-DE" dirty="0" smtClean="0">
+                <a:solidFill>
+                  <a:srgbClr val="FFFFFF"/>
+                </a:solidFill>
+                <a:latin typeface="Verdana"/>
+                <a:ea typeface="Verdana"/>
+              </a:rPr>
+              <a:t> </a:t>
+            </a:r>
+            <a:r>
+              <a:rPr lang="de-DE" dirty="0" err="1" smtClean="0">
+                <a:solidFill>
+                  <a:srgbClr val="FFFFFF"/>
+                </a:solidFill>
+                <a:latin typeface="Verdana"/>
+                <a:ea typeface="Verdana"/>
+              </a:rPr>
+              <a:t>car</a:t>
+            </a:r>
+            <a:endParaRPr lang="de-DE" dirty="0" smtClean="0">
+              <a:solidFill>
+                <a:srgbClr val="FFFFFF"/>
+              </a:solidFill>
+              <a:latin typeface="Verdana"/>
+              <a:ea typeface="Verdana"/>
+            </a:endParaRPr>
+          </a:p>
+          <a:p>
+            <a:pPr lvl="1">
+              <a:buSzPct val="130000"/>
+            </a:pPr>
+            <a:endParaRPr dirty="0"/>
+          </a:p>
+          <a:p>
+            <a:pPr>
+              <a:lnSpc>
+                <a:spcPct val="100000"/>
+              </a:lnSpc>
+              <a:buSzPct val="130000"/>
+              <a:buFont typeface="Arial"/>
+              <a:buChar char="•"/>
+            </a:pPr>
+            <a:r>
               <a:rPr lang="de-DE" sz="2400" dirty="0" smtClean="0">
                 <a:solidFill>
                   <a:srgbClr val="FFFFFF"/>
@@ -3950,17 +3868,7 @@
                 <a:latin typeface="Verdana"/>
                 <a:ea typeface="Verdana"/>
               </a:rPr>
-              <a:t>T</a:t>
-            </a:r>
-            <a:r>
-              <a:rPr lang="de-DE" sz="2400" dirty="0" err="1" smtClean="0">
-                <a:solidFill>
-                  <a:srgbClr val="FFFFFF"/>
-                </a:solidFill>
-                <a:latin typeface="Verdana"/>
-                <a:ea typeface="Verdana"/>
-              </a:rPr>
-              <a:t>entacles</a:t>
+              <a:t>Tentacles</a:t>
             </a:r>
             <a:endParaRPr lang="de-DE" sz="2400" dirty="0" smtClean="0">
               <a:solidFill>
@@ -4167,8 +4075,134 @@
                 <a:latin typeface="Verdana"/>
                 <a:ea typeface="Verdana"/>
               </a:rPr>
-              <a:t> Stereo Vision Module</a:t>
-            </a:r>
+              <a:t> Stereo Vision </a:t>
+            </a:r>
+            <a:r>
+              <a:rPr lang="de-DE" dirty="0" smtClean="0">
+                <a:solidFill>
+                  <a:srgbClr val="FFFFFF"/>
+                </a:solidFill>
+                <a:latin typeface="Verdana"/>
+                <a:ea typeface="Verdana"/>
+              </a:rPr>
+              <a:t>Module</a:t>
+            </a:r>
+          </a:p>
+          <a:p>
+            <a:pPr lvl="1">
+              <a:buSzPct val="130000"/>
+            </a:pPr>
+            <a:endParaRPr lang="de-DE" dirty="0" smtClean="0">
+              <a:solidFill>
+                <a:srgbClr val="FFFFFF"/>
+              </a:solidFill>
+              <a:latin typeface="Verdana"/>
+              <a:ea typeface="Verdana"/>
+            </a:endParaRPr>
+          </a:p>
+          <a:p>
+            <a:pPr lvl="1">
+              <a:buSzPct val="130000"/>
+              <a:buFont typeface="Arial"/>
+              <a:buChar char="•"/>
+            </a:pPr>
+            <a:r>
+              <a:rPr lang="de-DE" dirty="0">
+                <a:solidFill>
+                  <a:srgbClr val="FFFFFF"/>
+                </a:solidFill>
+                <a:latin typeface="Verdana"/>
+                <a:ea typeface="Verdana"/>
+              </a:rPr>
+              <a:t> </a:t>
+            </a:r>
+            <a:r>
+              <a:rPr lang="de-DE" dirty="0" smtClean="0">
+                <a:solidFill>
+                  <a:srgbClr val="FFFFFF"/>
+                </a:solidFill>
+                <a:latin typeface="Verdana"/>
+                <a:ea typeface="Verdana"/>
+              </a:rPr>
+              <a:t>TODO: </a:t>
+            </a:r>
+            <a:r>
+              <a:rPr lang="de-DE" dirty="0" err="1" smtClean="0">
+                <a:solidFill>
+                  <a:srgbClr val="FFFFFF"/>
+                </a:solidFill>
+                <a:latin typeface="Verdana"/>
+                <a:ea typeface="Verdana"/>
+              </a:rPr>
+              <a:t>improve</a:t>
+            </a:r>
+            <a:r>
+              <a:rPr lang="de-DE" dirty="0" smtClean="0">
+                <a:solidFill>
+                  <a:srgbClr val="FFFFFF"/>
+                </a:solidFill>
+                <a:latin typeface="Verdana"/>
+                <a:ea typeface="Verdana"/>
+              </a:rPr>
+              <a:t> Top View </a:t>
+            </a:r>
+            <a:r>
+              <a:rPr lang="de-DE" dirty="0" err="1" smtClean="0">
+                <a:solidFill>
+                  <a:srgbClr val="FFFFFF"/>
+                </a:solidFill>
+                <a:latin typeface="Verdana"/>
+                <a:ea typeface="Verdana"/>
+              </a:rPr>
+              <a:t>and</a:t>
+            </a:r>
+            <a:r>
+              <a:rPr lang="de-DE" dirty="0" smtClean="0">
+                <a:solidFill>
+                  <a:srgbClr val="FFFFFF"/>
+                </a:solidFill>
+                <a:latin typeface="Verdana"/>
+                <a:ea typeface="Verdana"/>
+              </a:rPr>
+              <a:t> </a:t>
+            </a:r>
+            <a:r>
+              <a:rPr lang="de-DE" dirty="0" err="1" smtClean="0">
+                <a:solidFill>
+                  <a:srgbClr val="FFFFFF"/>
+                </a:solidFill>
+                <a:latin typeface="Verdana"/>
+                <a:ea typeface="Verdana"/>
+              </a:rPr>
+              <a:t>Depth</a:t>
+            </a:r>
+            <a:r>
+              <a:rPr lang="de-DE" dirty="0" smtClean="0">
+                <a:solidFill>
+                  <a:srgbClr val="FFFFFF"/>
+                </a:solidFill>
+                <a:latin typeface="Verdana"/>
+                <a:ea typeface="Verdana"/>
+              </a:rPr>
+              <a:t> </a:t>
+            </a:r>
+            <a:r>
+              <a:rPr lang="de-DE" dirty="0" err="1" smtClean="0">
+                <a:solidFill>
+                  <a:srgbClr val="FFFFFF"/>
+                </a:solidFill>
+                <a:latin typeface="Verdana"/>
+                <a:ea typeface="Verdana"/>
+              </a:rPr>
+              <a:t>Map</a:t>
+            </a:r>
+            <a:endParaRPr lang="de-DE" dirty="0" smtClean="0">
+              <a:solidFill>
+                <a:srgbClr val="FFFFFF"/>
+              </a:solidFill>
+              <a:latin typeface="Verdana"/>
+              <a:ea typeface="Verdana"/>
+            </a:endParaRPr>
           </a:p>
           <a:p>
             <a:pPr lvl="1">
@@ -4368,8 +4402,8 @@
         </p:nvSpPr>
         <p:spPr>
           <a:xfrm>
-            <a:off x="-38250" y="1691640"/>
-            <a:ext cx="1100340" cy="5166360"/>
+            <a:off x="0" y="2251710"/>
+            <a:ext cx="1100340" cy="4498110"/>
           </a:xfrm>
           <a:prstGeom prst="rect">
             <a:avLst/>
@@ -4426,16 +4460,18 @@
                 <a:latin typeface="Verdana"/>
                 <a:ea typeface="Verdana"/>
               </a:rPr>
-              <a:t>50%</a:t>
-            </a:r>
-          </a:p>
-          <a:p>
-            <a:pPr algn="r">
-              <a:lnSpc>
-                <a:spcPct val="100000"/>
-              </a:lnSpc>
-              <a:buSzPct val="130000"/>
-            </a:pPr>
+              <a:t>50</a:t>
+            </a:r>
+            <a:r>
+              <a:rPr lang="sl-SI" sz="2400" dirty="0" smtClean="0">
+                <a:solidFill>
+                  <a:srgbClr val="FFFF00"/>
+                </a:solidFill>
+                <a:latin typeface="Verdana"/>
+                <a:ea typeface="Verdana"/>
+              </a:rPr>
+              <a:t>%</a:t>
+            </a:r>
             <a:endParaRPr lang="sl-SI" sz="2400" dirty="0" smtClean="0">
               <a:solidFill>
                 <a:srgbClr val="FFFFFF"/>
@@ -4466,6 +4502,36 @@
               </a:lnSpc>
               <a:buSzPct val="130000"/>
             </a:pPr>
+            <a:endParaRPr lang="sl-SI" sz="2400" dirty="0" smtClean="0">
+              <a:solidFill>
+                <a:srgbClr val="FFFFFF"/>
+              </a:solidFill>
+              <a:latin typeface="Verdana"/>
+              <a:ea typeface="Verdana"/>
+            </a:endParaRPr>
+          </a:p>
+          <a:p>
+            <a:pPr algn="r">
+              <a:lnSpc>
+                <a:spcPct val="100000"/>
+              </a:lnSpc>
+              <a:buSzPct val="130000"/>
+            </a:pPr>
+            <a:endParaRPr lang="sl-SI" sz="2400" dirty="0" smtClean="0">
+              <a:solidFill>
+                <a:srgbClr val="FFFFFF"/>
+              </a:solidFill>
+              <a:latin typeface="Verdana"/>
+              <a:ea typeface="Verdana"/>
+            </a:endParaRPr>
+          </a:p>
+          <a:p>
+            <a:pPr algn="r">
+              <a:lnSpc>
+                <a:spcPct val="100000"/>
+              </a:lnSpc>
+              <a:buSzPct val="130000"/>
+            </a:pPr>
             <a:endParaRPr lang="sl-SI" sz="2400" dirty="0">
               <a:solidFill>
                 <a:srgbClr val="FFFFFF"/>
@@ -4489,8 +4555,15 @@
                 <a:latin typeface="Verdana"/>
                 <a:ea typeface="Verdana"/>
               </a:rPr>
-              <a:t>33%</a:t>
-            </a:r>
+              <a:t>25%</a:t>
+            </a:r>
+            <a:endParaRPr lang="sl-SI" sz="2400" dirty="0" smtClean="0">
+              <a:solidFill>
+                <a:srgbClr val="FF0000"/>
+              </a:solidFill>
+              <a:latin typeface="Verdana"/>
+              <a:ea typeface="Verdana"/>
+            </a:endParaRPr>
           </a:p>
           <a:p>
             <a:pPr algn="r">
